--- a/session_3/FeatureEngineering.pptx
+++ b/session_3/FeatureEngineering.pptx
@@ -5733,7 +5733,7 @@
           <a:p>
             <a:fld id="{7618F97D-77C4-4B32-BAAF-2B91E5D5ACD0}" type="datetimeFigureOut">
               <a:rPr lang="en-GB" smtClean="0"/>
-              <a:t>23/07/2022</a:t>
+              <a:t>07/08/2022</a:t>
             </a:fld>
             <a:endParaRPr lang="en-GB"/>
           </a:p>
@@ -6150,7 +6150,7 @@
           <a:p>
             <a:fld id="{FD2766A6-3C10-4AB8-86A1-BB1F0CDA7EFE}" type="datetimeFigureOut">
               <a:rPr lang="en-US" smtClean="0"/>
-              <a:t>7/23/2022</a:t>
+              <a:t>8/7/2022</a:t>
             </a:fld>
             <a:endParaRPr lang="en-US"/>
           </a:p>
@@ -6348,7 +6348,7 @@
           <a:p>
             <a:fld id="{FD2766A6-3C10-4AB8-86A1-BB1F0CDA7EFE}" type="datetimeFigureOut">
               <a:rPr lang="en-US" smtClean="0"/>
-              <a:t>7/23/2022</a:t>
+              <a:t>8/7/2022</a:t>
             </a:fld>
             <a:endParaRPr lang="en-US"/>
           </a:p>
@@ -6556,7 +6556,7 @@
           <a:p>
             <a:fld id="{FD2766A6-3C10-4AB8-86A1-BB1F0CDA7EFE}" type="datetimeFigureOut">
               <a:rPr lang="en-US" smtClean="0"/>
-              <a:t>7/23/2022</a:t>
+              <a:t>8/7/2022</a:t>
             </a:fld>
             <a:endParaRPr lang="en-US"/>
           </a:p>
@@ -6754,7 +6754,7 @@
           <a:p>
             <a:fld id="{FD2766A6-3C10-4AB8-86A1-BB1F0CDA7EFE}" type="datetimeFigureOut">
               <a:rPr lang="en-US" smtClean="0"/>
-              <a:t>7/23/2022</a:t>
+              <a:t>8/7/2022</a:t>
             </a:fld>
             <a:endParaRPr lang="en-US"/>
           </a:p>
@@ -7027,7 +7027,7 @@
           <a:p>
             <a:fld id="{FD2766A6-3C10-4AB8-86A1-BB1F0CDA7EFE}" type="datetimeFigureOut">
               <a:rPr lang="en-US" smtClean="0"/>
-              <a:t>7/23/2022</a:t>
+              <a:t>8/7/2022</a:t>
             </a:fld>
             <a:endParaRPr lang="en-US"/>
           </a:p>
@@ -7292,7 +7292,7 @@
           <a:p>
             <a:fld id="{FD2766A6-3C10-4AB8-86A1-BB1F0CDA7EFE}" type="datetimeFigureOut">
               <a:rPr lang="en-US" smtClean="0"/>
-              <a:t>7/23/2022</a:t>
+              <a:t>8/7/2022</a:t>
             </a:fld>
             <a:endParaRPr lang="en-US"/>
           </a:p>
@@ -7718,7 +7718,7 @@
           <a:p>
             <a:fld id="{FD2766A6-3C10-4AB8-86A1-BB1F0CDA7EFE}" type="datetimeFigureOut">
               <a:rPr lang="en-US" smtClean="0"/>
-              <a:t>7/23/2022</a:t>
+              <a:t>8/7/2022</a:t>
             </a:fld>
             <a:endParaRPr lang="en-US"/>
           </a:p>
@@ -7859,7 +7859,7 @@
           <a:p>
             <a:fld id="{FD2766A6-3C10-4AB8-86A1-BB1F0CDA7EFE}" type="datetimeFigureOut">
               <a:rPr lang="en-US" smtClean="0"/>
-              <a:t>7/23/2022</a:t>
+              <a:t>8/7/2022</a:t>
             </a:fld>
             <a:endParaRPr lang="en-US"/>
           </a:p>
@@ -7972,7 +7972,7 @@
           <a:p>
             <a:fld id="{FD2766A6-3C10-4AB8-86A1-BB1F0CDA7EFE}" type="datetimeFigureOut">
               <a:rPr lang="en-US" smtClean="0"/>
-              <a:t>7/23/2022</a:t>
+              <a:t>8/7/2022</a:t>
             </a:fld>
             <a:endParaRPr lang="en-US"/>
           </a:p>
@@ -8327,7 +8327,7 @@
           <a:p>
             <a:fld id="{FD2766A6-3C10-4AB8-86A1-BB1F0CDA7EFE}" type="datetimeFigureOut">
               <a:rPr lang="en-US" smtClean="0"/>
-              <a:t>7/23/2022</a:t>
+              <a:t>8/7/2022</a:t>
             </a:fld>
             <a:endParaRPr lang="en-US"/>
           </a:p>
@@ -8657,7 +8657,7 @@
           <a:p>
             <a:fld id="{FD2766A6-3C10-4AB8-86A1-BB1F0CDA7EFE}" type="datetimeFigureOut">
               <a:rPr lang="en-US" smtClean="0"/>
-              <a:t>7/23/2022</a:t>
+              <a:t>8/7/2022</a:t>
             </a:fld>
             <a:endParaRPr lang="en-US"/>
           </a:p>
@@ -8899,7 +8899,7 @@
             <a:fld id="{FD2766A6-3C10-4AB8-86A1-BB1F0CDA7EFE}" type="datetimeFigureOut">
               <a:rPr lang="en-US" smtClean="0"/>
               <a:pPr/>
-              <a:t>7/23/2022</a:t>
+              <a:t>8/7/2022</a:t>
             </a:fld>
             <a:endParaRPr lang="en-US" dirty="0"/>
           </a:p>
